--- a/seminar_11.pptx
+++ b/seminar_11.pptx
@@ -6079,7 +6079,7 @@
         <a:p>
           <a:r>
             <a:rPr lang="en-US" dirty="0"/>
-            <a:t>0.055</a:t>
+            <a:t>0.052</a:t>
           </a:r>
           <a:endParaRPr lang="ru-RU" dirty="0"/>
         </a:p>
@@ -6156,7 +6156,7 @@
         <a:p>
           <a:r>
             <a:rPr lang="en-US" dirty="0"/>
-            <a:t>0.133</a:t>
+            <a:t>0.25</a:t>
           </a:r>
           <a:endParaRPr lang="ru-RU" dirty="0"/>
         </a:p>
@@ -9790,7 +9790,7 @@
           </a:pPr>
           <a:r>
             <a:rPr lang="en-US" sz="3500" kern="1200" dirty="0"/>
-            <a:t>0.055</a:t>
+            <a:t>0.052</a:t>
           </a:r>
           <a:endParaRPr lang="ru-RU" sz="3500" kern="1200" dirty="0"/>
         </a:p>
@@ -9948,7 +9948,7 @@
           </a:pPr>
           <a:r>
             <a:rPr lang="en-US" sz="3500" kern="1200" dirty="0"/>
-            <a:t>0.133</a:t>
+            <a:t>0.25</a:t>
           </a:r>
           <a:endParaRPr lang="ru-RU" sz="3500" kern="1200" dirty="0"/>
         </a:p>
@@ -15094,7 +15094,7 @@
             <a:pPr rtl="0"/>
             <a:fld id="{AD9C4667-D0EB-4182-A979-F1BD41F3D31E}" type="datetime1">
               <a:rPr lang="ru-RU" smtClean="0"/>
-              <a:t>30.07.2023</a:t>
+              <a:t>31.07.2023</a:t>
             </a:fld>
             <a:endParaRPr lang="ru-RU"/>
           </a:p>
@@ -15276,7 +15276,7 @@
             <a:pPr rtl="0"/>
             <a:fld id="{052E72FE-6225-48DC-96F7-A6D4A27B79B8}" type="datetime1">
               <a:rPr lang="ru-RU" noProof="0" smtClean="0"/>
-              <a:t>30.07.2023</a:t>
+              <a:t>31.07.2023</a:t>
             </a:fld>
             <a:endParaRPr lang="ru-RU" noProof="0"/>
           </a:p>
@@ -15965,7 +15965,7 @@
             <a:pPr rtl="0"/>
             <a:fld id="{8A5E3DB2-6224-4F87-96B2-901B51FC324F}" type="datetime1">
               <a:rPr lang="ru-RU" noProof="0" smtClean="0"/>
-              <a:t>30.07.2023</a:t>
+              <a:t>31.07.2023</a:t>
             </a:fld>
             <a:endParaRPr lang="ru-RU" noProof="0"/>
           </a:p>
@@ -16230,7 +16230,7 @@
             <a:pPr rtl="0"/>
             <a:fld id="{E0724630-BB87-4AF9-A3EB-1FC0B7D5A0A2}" type="datetime1">
               <a:rPr lang="ru-RU" noProof="0" smtClean="0"/>
-              <a:t>30.07.2023</a:t>
+              <a:t>31.07.2023</a:t>
             </a:fld>
             <a:endParaRPr lang="ru-RU" noProof="0"/>
           </a:p>
@@ -16468,7 +16468,7 @@
             <a:pPr rtl="0"/>
             <a:fld id="{3ED2A334-CAC3-41D9-9F20-8680444032ED}" type="datetime1">
               <a:rPr lang="ru-RU" noProof="0" smtClean="0"/>
-              <a:t>30.07.2023</a:t>
+              <a:t>31.07.2023</a:t>
             </a:fld>
             <a:endParaRPr lang="ru-RU" noProof="0"/>
           </a:p>
@@ -16711,7 +16711,7 @@
             <a:pPr rtl="0"/>
             <a:fld id="{2941335E-9FC5-4332-89A1-F61C26AF68B8}" type="datetime1">
               <a:rPr lang="ru-RU" noProof="0" smtClean="0"/>
-              <a:t>30.07.2023</a:t>
+              <a:t>31.07.2023</a:t>
             </a:fld>
             <a:endParaRPr lang="ru-RU" noProof="0"/>
           </a:p>
@@ -17022,7 +17022,7 @@
             <a:pPr rtl="0"/>
             <a:fld id="{79742827-D144-4B2C-B4EF-283D1A1D2ABE}" type="datetime1">
               <a:rPr lang="ru-RU" noProof="0" smtClean="0"/>
-              <a:t>30.07.2023</a:t>
+              <a:t>31.07.2023</a:t>
             </a:fld>
             <a:endParaRPr lang="ru-RU" noProof="0"/>
           </a:p>
@@ -17327,7 +17327,7 @@
             <a:pPr rtl="0"/>
             <a:fld id="{66134D18-76F3-4340-B8E3-CE0608B72693}" type="datetime1">
               <a:rPr lang="ru-RU" noProof="0" smtClean="0"/>
-              <a:t>30.07.2023</a:t>
+              <a:t>31.07.2023</a:t>
             </a:fld>
             <a:endParaRPr lang="ru-RU" noProof="0"/>
           </a:p>
@@ -17751,7 +17751,7 @@
             <a:pPr rtl="0"/>
             <a:fld id="{61B1DAD5-1ADC-4BAD-A5A2-B644A9983A58}" type="datetime1">
               <a:rPr lang="ru-RU" noProof="0" smtClean="0"/>
-              <a:t>30.07.2023</a:t>
+              <a:t>31.07.2023</a:t>
             </a:fld>
             <a:endParaRPr lang="ru-RU" noProof="0"/>
           </a:p>
@@ -17850,7 +17850,7 @@
             <a:pPr rtl="0"/>
             <a:fld id="{D34B273F-9A6A-422D-A6AB-3990B7538E9C}" type="datetime1">
               <a:rPr lang="ru-RU" noProof="0" smtClean="0"/>
-              <a:t>30.07.2023</a:t>
+              <a:t>31.07.2023</a:t>
             </a:fld>
             <a:endParaRPr lang="ru-RU" noProof="0"/>
           </a:p>
@@ -18016,7 +18016,7 @@
             <a:pPr rtl="0"/>
             <a:fld id="{0F026E7C-B2F6-41BB-9643-AACFC392E830}" type="datetime1">
               <a:rPr lang="ru-RU" noProof="0" smtClean="0"/>
-              <a:t>30.07.2023</a:t>
+              <a:t>31.07.2023</a:t>
             </a:fld>
             <a:endParaRPr lang="ru-RU" noProof="0"/>
           </a:p>
@@ -18397,7 +18397,7 @@
             <a:pPr rtl="0"/>
             <a:fld id="{72B0968A-0AED-4FB8-B40B-FB67848094BA}" type="datetime1">
               <a:rPr lang="ru-RU" noProof="0" smtClean="0"/>
-              <a:t>30.07.2023</a:t>
+              <a:t>31.07.2023</a:t>
             </a:fld>
             <a:endParaRPr lang="ru-RU" noProof="0"/>
           </a:p>
@@ -18690,7 +18690,7 @@
             <a:pPr rtl="0"/>
             <a:fld id="{0E1F5BCB-5907-4BE5-BDA8-E10478C468F1}" type="datetime1">
               <a:rPr lang="ru-RU" noProof="0" smtClean="0"/>
-              <a:t>30.07.2023</a:t>
+              <a:t>31.07.2023</a:t>
             </a:fld>
             <a:endParaRPr lang="ru-RU" noProof="0"/>
           </a:p>
@@ -18906,7 +18906,7 @@
             <a:fld id="{22E8C287-D018-43BB-961A-194062A1E79C}" type="datetime1">
               <a:rPr lang="ru-RU" smtClean="0"/>
               <a:pPr/>
-              <a:t>30.07.2023</a:t>
+              <a:t>31.07.2023</a:t>
             </a:fld>
             <a:endParaRPr lang="ru-RU"/>
           </a:p>
@@ -20071,8 +20071,8 @@
           </a:graphicData>
         </a:graphic>
       </p:graphicFrame>
-      <mc:AlternateContent xmlns:mc="http://schemas.openxmlformats.org/markup-compatibility/2006">
-        <mc:Choice xmlns:a14="http://schemas.microsoft.com/office/drawing/2010/main" Requires="a14">
+      <mc:AlternateContent xmlns:mc="http://schemas.openxmlformats.org/markup-compatibility/2006" xmlns:a14="http://schemas.microsoft.com/office/drawing/2010/main">
+        <mc:Choice Requires="a14">
           <p:sp>
             <p:nvSpPr>
               <p:cNvPr id="10" name="TextBox 1">
@@ -20614,7 +20614,7 @@
             </p:txBody>
           </p:sp>
         </mc:Choice>
-        <mc:Fallback>
+        <mc:Fallback xmlns="">
           <p:sp>
             <p:nvSpPr>
               <p:cNvPr id="10" name="TextBox 1">
@@ -20790,7 +20790,7 @@
             <p:ph sz="half" idx="1"/>
             <p:extLst>
               <p:ext uri="{D42A27DB-BD31-4B8C-83A1-F6EECF244321}">
-                <p14:modId xmlns:p14="http://schemas.microsoft.com/office/powerpoint/2010/main" val="1832473004"/>
+                <p14:modId xmlns:p14="http://schemas.microsoft.com/office/powerpoint/2010/main" val="2241893177"/>
               </p:ext>
             </p:extLst>
           </p:nvPr>
@@ -20855,8 +20855,8 @@
           </a:p>
         </p:txBody>
       </p:sp>
-      <mc:AlternateContent xmlns:mc="http://schemas.openxmlformats.org/markup-compatibility/2006">
-        <mc:Choice xmlns:a14="http://schemas.microsoft.com/office/drawing/2010/main" Requires="a14">
+      <mc:AlternateContent xmlns:mc="http://schemas.openxmlformats.org/markup-compatibility/2006" xmlns:a14="http://schemas.microsoft.com/office/drawing/2010/main">
+        <mc:Choice Requires="a14">
           <p:sp>
             <p:nvSpPr>
               <p:cNvPr id="6" name="Объект 5">
@@ -21254,7 +21254,7 @@
             </p:txBody>
           </p:sp>
         </mc:Choice>
-        <mc:Fallback>
+        <mc:Fallback xmlns="">
           <p:sp>
             <p:nvSpPr>
               <p:cNvPr id="6" name="Объект 5">

--- a/seminar_11.pptx
+++ b/seminar_11.pptx
@@ -5,10 +5,10 @@
     <p:sldMasterId id="2147483672" r:id="rId1"/>
   </p:sldMasterIdLst>
   <p:notesMasterIdLst>
-    <p:notesMasterId r:id="rId16"/>
+    <p:notesMasterId r:id="rId17"/>
   </p:notesMasterIdLst>
   <p:handoutMasterIdLst>
-    <p:handoutMasterId r:id="rId17"/>
+    <p:handoutMasterId r:id="rId18"/>
   </p:handoutMasterIdLst>
   <p:sldIdLst>
     <p:sldId id="256" r:id="rId2"/>
@@ -24,7 +24,8 @@
     <p:sldId id="274" r:id="rId12"/>
     <p:sldId id="275" r:id="rId13"/>
     <p:sldId id="273" r:id="rId14"/>
-    <p:sldId id="260" r:id="rId15"/>
+    <p:sldId id="276" r:id="rId15"/>
+    <p:sldId id="260" r:id="rId16"/>
   </p:sldIdLst>
   <p:sldSz cx="12192000" cy="6858000"/>
   <p:notesSz cx="6858000" cy="9144000"/>
@@ -15094,7 +15095,7 @@
             <a:pPr rtl="0"/>
             <a:fld id="{AD9C4667-D0EB-4182-A979-F1BD41F3D31E}" type="datetime1">
               <a:rPr lang="ru-RU" smtClean="0"/>
-              <a:t>31.07.2023</a:t>
+              <a:t>01.08.2023</a:t>
             </a:fld>
             <a:endParaRPr lang="ru-RU"/>
           </a:p>
@@ -15276,7 +15277,7 @@
             <a:pPr rtl="0"/>
             <a:fld id="{052E72FE-6225-48DC-96F7-A6D4A27B79B8}" type="datetime1">
               <a:rPr lang="ru-RU" noProof="0" smtClean="0"/>
-              <a:t>31.07.2023</a:t>
+              <a:t>01.08.2023</a:t>
             </a:fld>
             <a:endParaRPr lang="ru-RU" noProof="0"/>
           </a:p>
@@ -15700,7 +15701,7 @@
             <a:pPr rtl="0"/>
             <a:fld id="{C6B3AB32-59DF-41F1-9618-EDFBF5049629}" type="slidenum">
               <a:rPr lang="ru-RU" smtClean="0"/>
-              <a:t>14</a:t>
+              <a:t>15</a:t>
             </a:fld>
             <a:endParaRPr lang="ru-RU"/>
           </a:p>
@@ -15965,7 +15966,7 @@
             <a:pPr rtl="0"/>
             <a:fld id="{8A5E3DB2-6224-4F87-96B2-901B51FC324F}" type="datetime1">
               <a:rPr lang="ru-RU" noProof="0" smtClean="0"/>
-              <a:t>31.07.2023</a:t>
+              <a:t>01.08.2023</a:t>
             </a:fld>
             <a:endParaRPr lang="ru-RU" noProof="0"/>
           </a:p>
@@ -16230,7 +16231,7 @@
             <a:pPr rtl="0"/>
             <a:fld id="{E0724630-BB87-4AF9-A3EB-1FC0B7D5A0A2}" type="datetime1">
               <a:rPr lang="ru-RU" noProof="0" smtClean="0"/>
-              <a:t>31.07.2023</a:t>
+              <a:t>01.08.2023</a:t>
             </a:fld>
             <a:endParaRPr lang="ru-RU" noProof="0"/>
           </a:p>
@@ -16468,7 +16469,7 @@
             <a:pPr rtl="0"/>
             <a:fld id="{3ED2A334-CAC3-41D9-9F20-8680444032ED}" type="datetime1">
               <a:rPr lang="ru-RU" noProof="0" smtClean="0"/>
-              <a:t>31.07.2023</a:t>
+              <a:t>01.08.2023</a:t>
             </a:fld>
             <a:endParaRPr lang="ru-RU" noProof="0"/>
           </a:p>
@@ -16711,7 +16712,7 @@
             <a:pPr rtl="0"/>
             <a:fld id="{2941335E-9FC5-4332-89A1-F61C26AF68B8}" type="datetime1">
               <a:rPr lang="ru-RU" noProof="0" smtClean="0"/>
-              <a:t>31.07.2023</a:t>
+              <a:t>01.08.2023</a:t>
             </a:fld>
             <a:endParaRPr lang="ru-RU" noProof="0"/>
           </a:p>
@@ -17022,7 +17023,7 @@
             <a:pPr rtl="0"/>
             <a:fld id="{79742827-D144-4B2C-B4EF-283D1A1D2ABE}" type="datetime1">
               <a:rPr lang="ru-RU" noProof="0" smtClean="0"/>
-              <a:t>31.07.2023</a:t>
+              <a:t>01.08.2023</a:t>
             </a:fld>
             <a:endParaRPr lang="ru-RU" noProof="0"/>
           </a:p>
@@ -17327,7 +17328,7 @@
             <a:pPr rtl="0"/>
             <a:fld id="{66134D18-76F3-4340-B8E3-CE0608B72693}" type="datetime1">
               <a:rPr lang="ru-RU" noProof="0" smtClean="0"/>
-              <a:t>31.07.2023</a:t>
+              <a:t>01.08.2023</a:t>
             </a:fld>
             <a:endParaRPr lang="ru-RU" noProof="0"/>
           </a:p>
@@ -17751,7 +17752,7 @@
             <a:pPr rtl="0"/>
             <a:fld id="{61B1DAD5-1ADC-4BAD-A5A2-B644A9983A58}" type="datetime1">
               <a:rPr lang="ru-RU" noProof="0" smtClean="0"/>
-              <a:t>31.07.2023</a:t>
+              <a:t>01.08.2023</a:t>
             </a:fld>
             <a:endParaRPr lang="ru-RU" noProof="0"/>
           </a:p>
@@ -17850,7 +17851,7 @@
             <a:pPr rtl="0"/>
             <a:fld id="{D34B273F-9A6A-422D-A6AB-3990B7538E9C}" type="datetime1">
               <a:rPr lang="ru-RU" noProof="0" smtClean="0"/>
-              <a:t>31.07.2023</a:t>
+              <a:t>01.08.2023</a:t>
             </a:fld>
             <a:endParaRPr lang="ru-RU" noProof="0"/>
           </a:p>
@@ -18016,7 +18017,7 @@
             <a:pPr rtl="0"/>
             <a:fld id="{0F026E7C-B2F6-41BB-9643-AACFC392E830}" type="datetime1">
               <a:rPr lang="ru-RU" noProof="0" smtClean="0"/>
-              <a:t>31.07.2023</a:t>
+              <a:t>01.08.2023</a:t>
             </a:fld>
             <a:endParaRPr lang="ru-RU" noProof="0"/>
           </a:p>
@@ -18397,7 +18398,7 @@
             <a:pPr rtl="0"/>
             <a:fld id="{72B0968A-0AED-4FB8-B40B-FB67848094BA}" type="datetime1">
               <a:rPr lang="ru-RU" noProof="0" smtClean="0"/>
-              <a:t>31.07.2023</a:t>
+              <a:t>01.08.2023</a:t>
             </a:fld>
             <a:endParaRPr lang="ru-RU" noProof="0"/>
           </a:p>
@@ -18690,7 +18691,7 @@
             <a:pPr rtl="0"/>
             <a:fld id="{0E1F5BCB-5907-4BE5-BDA8-E10478C468F1}" type="datetime1">
               <a:rPr lang="ru-RU" noProof="0" smtClean="0"/>
-              <a:t>31.07.2023</a:t>
+              <a:t>01.08.2023</a:t>
             </a:fld>
             <a:endParaRPr lang="ru-RU" noProof="0"/>
           </a:p>
@@ -18906,7 +18907,7 @@
             <a:fld id="{22E8C287-D018-43BB-961A-194062A1E79C}" type="datetime1">
               <a:rPr lang="ru-RU" smtClean="0"/>
               <a:pPr/>
-              <a:t>31.07.2023</a:t>
+              <a:t>01.08.2023</a:t>
             </a:fld>
             <a:endParaRPr lang="ru-RU"/>
           </a:p>
@@ -21609,6 +21610,163 @@
 <file path=ppt/slides/slide14.xml><?xml version="1.0" encoding="utf-8"?>
 <p:sld xmlns:a="http://schemas.openxmlformats.org/drawingml/2006/main" xmlns:r="http://schemas.openxmlformats.org/officeDocument/2006/relationships" xmlns:p="http://schemas.openxmlformats.org/presentationml/2006/main">
   <p:cSld>
+    <p:spTree>
+      <p:nvGrpSpPr>
+        <p:cNvPr id="1" name=""/>
+        <p:cNvGrpSpPr/>
+        <p:nvPr/>
+      </p:nvGrpSpPr>
+      <p:grpSpPr>
+        <a:xfrm>
+          <a:off x="0" y="0"/>
+          <a:ext cx="0" cy="0"/>
+          <a:chOff x="0" y="0"/>
+          <a:chExt cx="0" cy="0"/>
+        </a:xfrm>
+      </p:grpSpPr>
+      <p:sp>
+        <p:nvSpPr>
+          <p:cNvPr id="2" name="Заголовок 1">
+            <a:extLst>
+              <a:ext uri="{FF2B5EF4-FFF2-40B4-BE49-F238E27FC236}">
+                <a16:creationId xmlns:a16="http://schemas.microsoft.com/office/drawing/2014/main" id="{87FBB0D0-A404-17A8-FCAC-DCF97134B505}"/>
+              </a:ext>
+            </a:extLst>
+          </p:cNvPr>
+          <p:cNvSpPr>
+            <a:spLocks noGrp="1"/>
+          </p:cNvSpPr>
+          <p:nvPr>
+            <p:ph type="title"/>
+          </p:nvPr>
+        </p:nvSpPr>
+        <p:spPr/>
+        <p:txBody>
+          <a:bodyPr/>
+          <a:lstStyle/>
+          <a:p>
+            <a:r>
+              <a:rPr lang="ru-RU" dirty="0"/>
+              <a:t>Обратная связь</a:t>
+            </a:r>
+          </a:p>
+        </p:txBody>
+      </p:sp>
+      <p:pic>
+        <p:nvPicPr>
+          <p:cNvPr id="7" name="Объект 6" descr="Изображение выглядит как Человеческое лицо, человек, портрет, одежда&#10;&#10;Автоматически созданное описание">
+            <a:extLst>
+              <a:ext uri="{FF2B5EF4-FFF2-40B4-BE49-F238E27FC236}">
+                <a16:creationId xmlns:a16="http://schemas.microsoft.com/office/drawing/2014/main" id="{BE1BDC0E-20DC-D01D-21C6-3CC094CC8310}"/>
+              </a:ext>
+            </a:extLst>
+          </p:cNvPr>
+          <p:cNvPicPr>
+            <a:picLocks noGrp="1" noChangeAspect="1"/>
+          </p:cNvPicPr>
+          <p:nvPr>
+            <p:ph sz="half" idx="1"/>
+          </p:nvPr>
+        </p:nvPicPr>
+        <p:blipFill>
+          <a:blip r:embed="rId2"/>
+          <a:stretch>
+            <a:fillRect/>
+          </a:stretch>
+        </p:blipFill>
+        <p:spPr>
+          <a:xfrm>
+            <a:off x="634304" y="2131468"/>
+            <a:ext cx="2547015" cy="3633787"/>
+          </a:xfrm>
+        </p:spPr>
+      </p:pic>
+      <p:sp>
+        <p:nvSpPr>
+          <p:cNvPr id="5" name="Объект 4">
+            <a:extLst>
+              <a:ext uri="{FF2B5EF4-FFF2-40B4-BE49-F238E27FC236}">
+                <a16:creationId xmlns:a16="http://schemas.microsoft.com/office/drawing/2014/main" id="{3DE2C820-7AFD-01D9-4E44-B7262F2B2587}"/>
+              </a:ext>
+            </a:extLst>
+          </p:cNvPr>
+          <p:cNvSpPr>
+            <a:spLocks noGrp="1"/>
+          </p:cNvSpPr>
+          <p:nvPr>
+            <p:ph sz="half" idx="2"/>
+          </p:nvPr>
+        </p:nvSpPr>
+        <p:spPr>
+          <a:xfrm>
+            <a:off x="4210594" y="2228003"/>
+            <a:ext cx="7400215" cy="3633047"/>
+          </a:xfrm>
+        </p:spPr>
+        <p:txBody>
+          <a:bodyPr>
+            <a:normAutofit/>
+          </a:bodyPr>
+          <a:lstStyle/>
+          <a:p>
+            <a:pPr marL="0" indent="0">
+              <a:buNone/>
+            </a:pPr>
+            <a:r>
+              <a:rPr lang="ru-RU" sz="2000" dirty="0"/>
+              <a:t>ЕВГЕНИЙ ЭГИПТИ</a:t>
+            </a:r>
+          </a:p>
+          <a:p>
+            <a:r>
+              <a:rPr lang="ru-RU" sz="2000" dirty="0"/>
+              <a:t>Сайт: </a:t>
+            </a:r>
+            <a:r>
+              <a:rPr lang="en-US" sz="2000" dirty="0">
+                <a:hlinkClick r:id="rId3"/>
+              </a:rPr>
+              <a:t>www.glonass-gps.net</a:t>
+            </a:r>
+            <a:endParaRPr lang="en-US" sz="2000" dirty="0"/>
+          </a:p>
+          <a:p>
+            <a:r>
+              <a:rPr lang="en-US" sz="2000" dirty="0"/>
+              <a:t>Email: </a:t>
+            </a:r>
+            <a:r>
+              <a:rPr lang="en-US" sz="2000" dirty="0">
+                <a:hlinkClick r:id="rId4"/>
+              </a:rPr>
+              <a:t>uc20100@gmail.com</a:t>
+            </a:r>
+            <a:endParaRPr lang="en-US" sz="2000" dirty="0"/>
+          </a:p>
+          <a:p>
+            <a:r>
+              <a:rPr lang="ru-RU" sz="2000" dirty="0"/>
+              <a:t>Телефон: +7 (963) 119 7612</a:t>
+            </a:r>
+          </a:p>
+        </p:txBody>
+      </p:sp>
+    </p:spTree>
+    <p:extLst>
+      <p:ext uri="{BB962C8B-B14F-4D97-AF65-F5344CB8AC3E}">
+        <p14:creationId xmlns:p14="http://schemas.microsoft.com/office/powerpoint/2010/main" val="1505264380"/>
+      </p:ext>
+    </p:extLst>
+  </p:cSld>
+  <p:clrMapOvr>
+    <a:masterClrMapping/>
+  </p:clrMapOvr>
+</p:sld>
+</file>
+
+<file path=ppt/slides/slide15.xml><?xml version="1.0" encoding="utf-8"?>
+<p:sld xmlns:a="http://schemas.openxmlformats.org/drawingml/2006/main" xmlns:r="http://schemas.openxmlformats.org/officeDocument/2006/relationships" xmlns:p="http://schemas.openxmlformats.org/presentationml/2006/main">
+  <p:cSld>
     <p:bg>
       <p:bgPr>
         <a:solidFill>
